--- a/0장_머신러닝을 위한 데이터 처리.pptx
+++ b/0장_머신러닝을 위한 데이터 처리.pptx
@@ -5,8 +5,8 @@
     <p:sldMasterId id="2147483648" r:id="rId1"/>
   </p:sldMasterIdLst>
   <p:sldIdLst>
-    <p:sldId id="271" r:id="rId2"/>
-    <p:sldId id="272" r:id="rId3"/>
+    <p:sldId id="279" r:id="rId2"/>
+    <p:sldId id="280" r:id="rId3"/>
     <p:sldId id="277" r:id="rId4"/>
     <p:sldId id="275" r:id="rId5"/>
     <p:sldId id="278" r:id="rId6"/>
@@ -266,7 +266,7 @@
           <a:p>
             <a:fld id="{1D8BD707-D9CF-40AE-B4C6-C98DA3205C09}" type="datetimeFigureOut">
               <a:rPr lang="en-US"/>
-              <a:t>9/2/2018</a:t>
+              <a:t>9/10/2018</a:t>
             </a:fld>
             <a:endParaRPr lang="en-US"/>
           </a:p>
@@ -443,7 +443,7 @@
           <a:p>
             <a:fld id="{1D8BD707-D9CF-40AE-B4C6-C98DA3205C09}" type="datetimeFigureOut">
               <a:rPr lang="en-US"/>
-              <a:t>9/2/2018</a:t>
+              <a:t>9/10/2018</a:t>
             </a:fld>
             <a:endParaRPr lang="en-US"/>
           </a:p>
@@ -657,7 +657,7 @@
           <a:p>
             <a:fld id="{1D8BD707-D9CF-40AE-B4C6-C98DA3205C09}" type="datetimeFigureOut">
               <a:rPr lang="en-US"/>
-              <a:t>9/2/2018</a:t>
+              <a:t>9/10/2018</a:t>
             </a:fld>
             <a:endParaRPr lang="en-US"/>
           </a:p>
@@ -940,7 +940,7 @@
           <a:p>
             <a:fld id="{1D8BD707-D9CF-40AE-B4C6-C98DA3205C09}" type="datetimeFigureOut">
               <a:rPr lang="en-US"/>
-              <a:t>9/2/2018</a:t>
+              <a:t>9/10/2018</a:t>
             </a:fld>
             <a:endParaRPr lang="en-US"/>
           </a:p>
@@ -1059,7 +1059,7 @@
           <a:p>
             <a:fld id="{1D8BD707-D9CF-40AE-B4C6-C98DA3205C09}" type="datetimeFigureOut">
               <a:rPr lang="en-US"/>
-              <a:t>9/2/2018</a:t>
+              <a:t>9/10/2018</a:t>
             </a:fld>
             <a:endParaRPr lang="en-US"/>
           </a:p>
@@ -1284,7 +1284,7 @@
           <a:p>
             <a:fld id="{1D8BD707-D9CF-40AE-B4C6-C98DA3205C09}" type="datetimeFigureOut">
               <a:rPr lang="en-US"/>
-              <a:t>9/2/2018</a:t>
+              <a:t>9/10/2018</a:t>
             </a:fld>
             <a:endParaRPr lang="en-US"/>
           </a:p>
@@ -1511,8 +1511,8 @@
         </p:nvSpPr>
         <p:spPr>
           <a:xfrm>
-            <a:off x="4725183" y="2495194"/>
-            <a:ext cx="697865" cy="523220"/>
+            <a:off x="4575969" y="879475"/>
+            <a:ext cx="803819" cy="553998"/>
           </a:xfrm>
           <a:prstGeom prst="rect">
             <a:avLst/>
@@ -1526,17 +1526,27 @@
           <a:p>
             <a:pPr marL="12700"/>
             <a:r>
-              <a:rPr sz="3400" dirty="0">
+              <a:rPr lang="en-US" sz="3600" spc="-295" dirty="0">
                 <a:solidFill>
                   <a:srgbClr val="FFFFFF"/>
                 </a:solidFill>
-                <a:latin typeface="Arial Unicode MS"/>
-                <a:cs typeface="Arial Unicode MS"/>
-              </a:rPr>
-              <a:t>0장</a:t>
-            </a:r>
-            <a:endParaRPr sz="3400">
-              <a:latin typeface="Arial Unicode MS"/>
+                <a:latin typeface="+mn-ea"/>
+                <a:cs typeface="Arial Unicode MS"/>
+              </a:rPr>
+              <a:t>0</a:t>
+            </a:r>
+            <a:r>
+              <a:rPr sz="3600" spc="-295" dirty="0" smtClean="0">
+                <a:solidFill>
+                  <a:srgbClr val="FFFFFF"/>
+                </a:solidFill>
+                <a:latin typeface="+mn-ea"/>
+                <a:cs typeface="Arial Unicode MS"/>
+              </a:rPr>
+              <a:t>장</a:t>
+            </a:r>
+            <a:endParaRPr sz="3600" dirty="0">
+              <a:latin typeface="+mn-ea"/>
               <a:cs typeface="Arial Unicode MS"/>
             </a:endParaRPr>
           </a:p>
@@ -1554,8 +1564,8 @@
         </p:nvSpPr>
         <p:spPr>
           <a:xfrm>
-            <a:off x="3352430" y="3444951"/>
-            <a:ext cx="3509539" cy="350520"/>
+            <a:off x="2823369" y="2098675"/>
+            <a:ext cx="4343400" cy="430887"/>
           </a:xfrm>
           <a:prstGeom prst="rect">
             <a:avLst/>
@@ -1569,42 +1579,107 @@
           <a:p>
             <a:pPr marL="12700"/>
             <a:r>
-              <a:rPr sz="2300" b="1" spc="-229" dirty="0">
-                <a:latin typeface="+mj-ea"/>
-              </a:rPr>
-              <a:t>머신러닝을 </a:t>
-            </a:r>
-            <a:r>
-              <a:rPr sz="2300" b="1" spc="-200" dirty="0">
-                <a:latin typeface="+mj-ea"/>
-              </a:rPr>
-              <a:t>위한 </a:t>
-            </a:r>
-            <a:r>
-              <a:rPr sz="2300" b="1" spc="-215" dirty="0">
-                <a:latin typeface="+mj-ea"/>
-              </a:rPr>
-              <a:t>데이터</a:t>
-            </a:r>
-            <a:r>
-              <a:rPr sz="2300" b="1" spc="145" dirty="0">
-                <a:latin typeface="+mj-ea"/>
-              </a:rPr>
-              <a:t> </a:t>
-            </a:r>
-            <a:r>
-              <a:rPr sz="2300" b="1" spc="-254" dirty="0">
-                <a:latin typeface="+mj-ea"/>
-              </a:rPr>
-              <a:t>처리</a:t>
-            </a:r>
-            <a:endParaRPr sz="2300" b="1" dirty="0">
-              <a:latin typeface="+mj-ea"/>
+              <a:rPr lang="ko-KR" altLang="en-US" sz="2800" spc="-225" dirty="0" smtClean="0">
+                <a:solidFill>
+                  <a:schemeClr val="bg1"/>
+                </a:solidFill>
+                <a:latin typeface="+mn-ea"/>
+                <a:ea typeface="+mn-ea"/>
+              </a:rPr>
+              <a:t>머신 러닝을 </a:t>
+            </a:r>
+            <a:r>
+              <a:rPr lang="ko-KR" altLang="en-US" sz="2800" spc="-225" dirty="0">
+                <a:solidFill>
+                  <a:schemeClr val="bg1"/>
+                </a:solidFill>
+                <a:latin typeface="+mn-ea"/>
+                <a:ea typeface="+mn-ea"/>
+              </a:rPr>
+              <a:t>위한 데이터 처리</a:t>
+            </a:r>
+            <a:endParaRPr sz="2800" dirty="0">
+              <a:solidFill>
+                <a:schemeClr val="bg1"/>
+              </a:solidFill>
+              <a:latin typeface="+mn-ea"/>
+              <a:ea typeface="+mn-ea"/>
             </a:endParaRPr>
           </a:p>
         </p:txBody>
       </p:sp>
+      <p:sp>
+        <p:nvSpPr>
+          <p:cNvPr id="4" name="TextBox 3"/>
+          <p:cNvSpPr txBox="1"/>
+          <p:nvPr/>
+        </p:nvSpPr>
+        <p:spPr>
+          <a:xfrm>
+            <a:off x="1527969" y="3546475"/>
+            <a:ext cx="7086600" cy="1200329"/>
+          </a:xfrm>
+          <a:prstGeom prst="rect">
+            <a:avLst/>
+          </a:prstGeom>
+          <a:noFill/>
+        </p:spPr>
+        <p:txBody>
+          <a:bodyPr wrap="square" rtlCol="0">
+            <a:spAutoFit/>
+          </a:bodyPr>
+          <a:lstStyle/>
+          <a:p>
+            <a:r>
+              <a:rPr lang="ko-KR" altLang="en-US" dirty="0" smtClean="0"/>
+              <a:t>이 장에서는 </a:t>
+            </a:r>
+            <a:r>
+              <a:rPr lang="ko-KR" altLang="en-US" dirty="0" err="1" smtClean="0"/>
+              <a:t>스크레이핑으로</a:t>
+            </a:r>
+            <a:r>
+              <a:rPr lang="ko-KR" altLang="en-US" dirty="0" smtClean="0"/>
+              <a:t> 데이터를 수집하고 머신 러닝을 수행하는 기법들의 개요를 소개한다</a:t>
+            </a:r>
+            <a:r>
+              <a:rPr lang="en-US" altLang="ko-KR" dirty="0" smtClean="0"/>
+              <a:t>. 1) </a:t>
+            </a:r>
+            <a:r>
+              <a:rPr lang="ko-KR" altLang="en-US" dirty="0" smtClean="0"/>
+              <a:t>웹에서 데이터 다운로드 하기</a:t>
+            </a:r>
+            <a:r>
+              <a:rPr lang="en-US" altLang="ko-KR" dirty="0" smtClean="0"/>
+              <a:t>, 2) </a:t>
+            </a:r>
+            <a:r>
+              <a:rPr lang="ko-KR" altLang="en-US" dirty="0" smtClean="0"/>
+              <a:t>데이터의 가공 처리</a:t>
+            </a:r>
+            <a:r>
+              <a:rPr lang="en-US" altLang="ko-KR" dirty="0" smtClean="0"/>
+              <a:t>, 3) </a:t>
+            </a:r>
+            <a:r>
+              <a:rPr lang="ko-KR" altLang="en-US" dirty="0" smtClean="0"/>
+              <a:t>저장된 데이터를 이용한 머신 러닝 수행하기 등이다</a:t>
+            </a:r>
+            <a:r>
+              <a:rPr lang="en-US" altLang="ko-KR" dirty="0" smtClean="0"/>
+              <a:t>.</a:t>
+            </a:r>
+            <a:endParaRPr lang="ko-KR" altLang="en-US" dirty="0"/>
+          </a:p>
+        </p:txBody>
+      </p:sp>
     </p:spTree>
+    <p:extLst>
+      <p:ext uri="{BB962C8B-B14F-4D97-AF65-F5344CB8AC3E}">
+        <p14:creationId xmlns:p14="http://schemas.microsoft.com/office/powerpoint/2010/main" val="4173021679"/>
+      </p:ext>
+    </p:extLst>
   </p:cSld>
   <p:clrMapOvr>
     <a:masterClrMapping/>
@@ -1620,7 +1695,7 @@
 </file>
 
 <file path=ppt/slides/slide2.xml><?xml version="1.0" encoding="utf-8"?>
-<p:sld xmlns:a="http://schemas.openxmlformats.org/drawingml/2006/main" xmlns:r="http://schemas.openxmlformats.org/officeDocument/2006/relationships" xmlns:p="http://schemas.openxmlformats.org/presentationml/2006/main" showMasterSp="0">
+<p:sld xmlns:a="http://schemas.openxmlformats.org/drawingml/2006/main" xmlns:r="http://schemas.openxmlformats.org/officeDocument/2006/relationships" xmlns:p="http://schemas.openxmlformats.org/presentationml/2006/main">
   <p:cSld>
     <p:spTree>
       <p:nvGrpSpPr>
@@ -1638,14 +1713,14 @@
       </p:grpSpPr>
       <p:sp>
         <p:nvSpPr>
-          <p:cNvPr id="3" name="object 3"/>
+          <p:cNvPr id="4" name="object 4"/>
           <p:cNvSpPr/>
           <p:nvPr/>
         </p:nvSpPr>
         <p:spPr>
           <a:xfrm>
-            <a:off x="-83950" y="-27491"/>
-            <a:ext cx="10222519" cy="7688765"/>
+            <a:off x="-82225" y="-54244"/>
+            <a:ext cx="10296993" cy="7639319"/>
           </a:xfrm>
           <a:custGeom>
             <a:avLst/>
@@ -1654,12 +1729,12 @@
             <a:cxnLst/>
             <a:rect l="l" t="t" r="r" b="b"/>
             <a:pathLst>
-              <a:path w="5549900" h="1883410">
+              <a:path w="5549900" h="3226435">
                 <a:moveTo>
-                  <a:pt x="0" y="1882889"/>
+                  <a:pt x="0" y="3225901"/>
                 </a:moveTo>
                 <a:lnTo>
-                  <a:pt x="5549392" y="1882889"/>
+                  <a:pt x="5549392" y="3225901"/>
                 </a:lnTo>
                 <a:lnTo>
                   <a:pt x="5549392" y="0"/>
@@ -1668,7 +1743,7 @@
                   <a:pt x="0" y="0"/>
                 </a:lnTo>
                 <a:lnTo>
-                  <a:pt x="0" y="1882889"/>
+                  <a:pt x="0" y="3225901"/>
                 </a:lnTo>
                 <a:close/>
               </a:path>
@@ -1688,13 +1763,13 @@
       </p:sp>
       <p:sp>
         <p:nvSpPr>
-          <p:cNvPr id="4" name="object 4"/>
+          <p:cNvPr id="5" name="object 5"/>
           <p:cNvSpPr/>
           <p:nvPr/>
         </p:nvSpPr>
         <p:spPr>
           <a:xfrm>
-            <a:off x="3863937" y="2966301"/>
+            <a:off x="3890766" y="2241766"/>
             <a:ext cx="2339975" cy="69215"/>
           </a:xfrm>
           <a:custGeom>
@@ -1756,14 +1831,14 @@
       </p:sp>
       <p:sp>
         <p:nvSpPr>
-          <p:cNvPr id="5" name="object 5"/>
+          <p:cNvPr id="6" name="object 6"/>
           <p:cNvSpPr/>
           <p:nvPr/>
         </p:nvSpPr>
         <p:spPr>
           <a:xfrm>
-            <a:off x="2567940" y="2991802"/>
-            <a:ext cx="4932045" cy="1566545"/>
+            <a:off x="462429" y="1251573"/>
+            <a:ext cx="9066540" cy="5419102"/>
           </a:xfrm>
           <a:custGeom>
             <a:avLst/>
@@ -1772,7 +1847,7 @@
             <a:cxnLst/>
             <a:rect l="l" t="t" r="r" b="b"/>
             <a:pathLst>
-              <a:path w="4932045" h="1566545">
+              <a:path w="4932045" h="3015615">
                 <a:moveTo>
                   <a:pt x="4751997" y="0"/>
                 </a:moveTo>
@@ -1792,34 +1867,34 @@
                   <a:pt x="0" y="179997"/>
                 </a:lnTo>
                 <a:lnTo>
-                  <a:pt x="0" y="1386001"/>
-                </a:lnTo>
-                <a:lnTo>
-                  <a:pt x="2812" y="1414126"/>
-                </a:lnTo>
-                <a:lnTo>
-                  <a:pt x="22499" y="1476000"/>
-                </a:lnTo>
-                <a:lnTo>
-                  <a:pt x="75936" y="1537874"/>
-                </a:lnTo>
-                <a:lnTo>
-                  <a:pt x="179997" y="1565998"/>
-                </a:lnTo>
-                <a:lnTo>
-                  <a:pt x="4751997" y="1565998"/>
-                </a:lnTo>
-                <a:lnTo>
-                  <a:pt x="4780121" y="1563186"/>
-                </a:lnTo>
-                <a:lnTo>
-                  <a:pt x="4841995" y="1543499"/>
-                </a:lnTo>
-                <a:lnTo>
-                  <a:pt x="4903869" y="1490062"/>
-                </a:lnTo>
-                <a:lnTo>
-                  <a:pt x="4931994" y="1386001"/>
+                  <a:pt x="0" y="2834995"/>
+                </a:lnTo>
+                <a:lnTo>
+                  <a:pt x="2812" y="2863122"/>
+                </a:lnTo>
+                <a:lnTo>
+                  <a:pt x="22499" y="2925000"/>
+                </a:lnTo>
+                <a:lnTo>
+                  <a:pt x="75936" y="2986878"/>
+                </a:lnTo>
+                <a:lnTo>
+                  <a:pt x="179997" y="3015005"/>
+                </a:lnTo>
+                <a:lnTo>
+                  <a:pt x="4751997" y="3015005"/>
+                </a:lnTo>
+                <a:lnTo>
+                  <a:pt x="4780121" y="3012192"/>
+                </a:lnTo>
+                <a:lnTo>
+                  <a:pt x="4841995" y="2992504"/>
+                </a:lnTo>
+                <a:lnTo>
+                  <a:pt x="4903869" y="2939063"/>
+                </a:lnTo>
+                <a:lnTo>
+                  <a:pt x="4931994" y="2834995"/>
                 </a:lnTo>
                 <a:lnTo>
                   <a:pt x="4931994" y="179997"/>
@@ -1854,14 +1929,14 @@
       </p:sp>
       <p:sp>
         <p:nvSpPr>
-          <p:cNvPr id="6" name="object 6"/>
+          <p:cNvPr id="7" name="object 7"/>
           <p:cNvSpPr/>
           <p:nvPr/>
         </p:nvSpPr>
         <p:spPr>
           <a:xfrm>
-            <a:off x="2567940" y="2991802"/>
-            <a:ext cx="4932045" cy="1566545"/>
+            <a:off x="462429" y="1175373"/>
+            <a:ext cx="9066540" cy="5419102"/>
           </a:xfrm>
           <a:custGeom>
             <a:avLst/>
@@ -1870,7 +1945,7 @@
             <a:cxnLst/>
             <a:rect l="l" t="t" r="r" b="b"/>
             <a:pathLst>
-              <a:path w="4932045" h="1566545">
+              <a:path w="4932045" h="3015615">
                 <a:moveTo>
                   <a:pt x="179997" y="0"/>
                 </a:moveTo>
@@ -1887,34 +1962,34 @@
                   <a:pt x="0" y="179997"/>
                 </a:lnTo>
                 <a:lnTo>
-                  <a:pt x="0" y="1386001"/>
-                </a:lnTo>
-                <a:lnTo>
-                  <a:pt x="2812" y="1414126"/>
-                </a:lnTo>
-                <a:lnTo>
-                  <a:pt x="22499" y="1476000"/>
-                </a:lnTo>
-                <a:lnTo>
-                  <a:pt x="75936" y="1537874"/>
-                </a:lnTo>
-                <a:lnTo>
-                  <a:pt x="179997" y="1565998"/>
-                </a:lnTo>
-                <a:lnTo>
-                  <a:pt x="4751997" y="1565998"/>
-                </a:lnTo>
-                <a:lnTo>
-                  <a:pt x="4780121" y="1563186"/>
-                </a:lnTo>
-                <a:lnTo>
-                  <a:pt x="4841995" y="1543499"/>
-                </a:lnTo>
-                <a:lnTo>
-                  <a:pt x="4903869" y="1490062"/>
-                </a:lnTo>
-                <a:lnTo>
-                  <a:pt x="4931994" y="1386001"/>
+                  <a:pt x="0" y="2834995"/>
+                </a:lnTo>
+                <a:lnTo>
+                  <a:pt x="2812" y="2863122"/>
+                </a:lnTo>
+                <a:lnTo>
+                  <a:pt x="22499" y="2925000"/>
+                </a:lnTo>
+                <a:lnTo>
+                  <a:pt x="75936" y="2986878"/>
+                </a:lnTo>
+                <a:lnTo>
+                  <a:pt x="179997" y="3015005"/>
+                </a:lnTo>
+                <a:lnTo>
+                  <a:pt x="4751997" y="3015005"/>
+                </a:lnTo>
+                <a:lnTo>
+                  <a:pt x="4780121" y="3012192"/>
+                </a:lnTo>
+                <a:lnTo>
+                  <a:pt x="4841995" y="2992504"/>
+                </a:lnTo>
+                <a:lnTo>
+                  <a:pt x="4903869" y="2939063"/>
+                </a:lnTo>
+                <a:lnTo>
+                  <a:pt x="4931994" y="2834995"/>
                 </a:lnTo>
                 <a:lnTo>
                   <a:pt x="4931994" y="179997"/>
@@ -1954,13 +2029,13 @@
       </p:sp>
       <p:sp>
         <p:nvSpPr>
-          <p:cNvPr id="7" name="object 7"/>
+          <p:cNvPr id="8" name="object 8"/>
           <p:cNvSpPr/>
           <p:nvPr/>
         </p:nvSpPr>
         <p:spPr>
           <a:xfrm>
-            <a:off x="4560531" y="3102457"/>
+            <a:off x="4526276" y="1496597"/>
             <a:ext cx="0" cy="462915"/>
           </a:xfrm>
           <a:custGeom>
@@ -1996,13 +2071,13 @@
       </p:sp>
       <p:sp>
         <p:nvSpPr>
-          <p:cNvPr id="8" name="object 8"/>
+          <p:cNvPr id="9" name="object 9"/>
           <p:cNvSpPr/>
           <p:nvPr/>
         </p:nvSpPr>
         <p:spPr>
           <a:xfrm>
-            <a:off x="5507329" y="3102457"/>
+            <a:off x="5392180" y="1489075"/>
             <a:ext cx="0" cy="462915"/>
           </a:xfrm>
           <a:custGeom>
@@ -2038,13 +2113,13 @@
       </p:sp>
       <p:sp>
         <p:nvSpPr>
-          <p:cNvPr id="9" name="object 9"/>
+          <p:cNvPr id="10" name="object 10"/>
           <p:cNvSpPr txBox="1"/>
           <p:nvPr/>
         </p:nvSpPr>
         <p:spPr>
           <a:xfrm>
-            <a:off x="4637188" y="3006636"/>
+            <a:off x="4559077" y="1415318"/>
             <a:ext cx="793750" cy="625475"/>
           </a:xfrm>
           <a:prstGeom prst="rect">
@@ -2066,9 +2141,9 @@
                 <a:latin typeface="Century Gothic"/>
                 <a:cs typeface="Century Gothic"/>
               </a:rPr>
-              <a:t>0-1</a:t>
-            </a:r>
-            <a:endParaRPr sz="4000">
+              <a:t>1-1</a:t>
+            </a:r>
+            <a:endParaRPr sz="4000" dirty="0">
               <a:latin typeface="Century Gothic"/>
               <a:cs typeface="Century Gothic"/>
             </a:endParaRPr>
@@ -2077,7 +2152,7 @@
       </p:sp>
       <p:sp>
         <p:nvSpPr>
-          <p:cNvPr id="10" name="object 10"/>
+          <p:cNvPr id="11" name="object 11"/>
           <p:cNvSpPr txBox="1">
             <a:spLocks noGrp="1"/>
           </p:cNvSpPr>
@@ -2087,8 +2162,8 @@
         </p:nvSpPr>
         <p:spPr>
           <a:xfrm>
-            <a:off x="3482783" y="3917543"/>
-            <a:ext cx="3226785" cy="323165"/>
+            <a:off x="3128169" y="2222534"/>
+            <a:ext cx="3810000" cy="369332"/>
           </a:xfrm>
           <a:prstGeom prst="rect">
             <a:avLst/>
@@ -2102,37 +2177,53 @@
           <a:p>
             <a:pPr marL="12700"/>
             <a:r>
-              <a:rPr b="1" spc="-170" dirty="0">
+              <a:rPr lang="ko-KR" altLang="en-US" sz="2400" spc="-200" dirty="0" err="1">
                 <a:latin typeface="+mn-ea"/>
                 <a:ea typeface="+mn-ea"/>
               </a:rPr>
-              <a:t>크롤링, </a:t>
-            </a:r>
-            <a:r>
-              <a:rPr b="1" spc="-215" dirty="0">
+              <a:t>크롤링</a:t>
+            </a:r>
+            <a:r>
+              <a:rPr lang="en-US" altLang="ko-KR" sz="2400" spc="-200" dirty="0">
                 <a:latin typeface="+mn-ea"/>
                 <a:ea typeface="+mn-ea"/>
               </a:rPr>
-              <a:t>스크레이핑,</a:t>
-            </a:r>
-            <a:r>
-              <a:rPr b="1" spc="-15" dirty="0">
+              <a:t>, </a:t>
+            </a:r>
+            <a:r>
+              <a:rPr lang="ko-KR" altLang="en-US" sz="2400" spc="-200" dirty="0" err="1">
                 <a:latin typeface="+mn-ea"/>
                 <a:ea typeface="+mn-ea"/>
               </a:rPr>
-              <a:t> </a:t>
-            </a:r>
-            <a:r>
-              <a:rPr b="1" spc="-320" dirty="0">
+              <a:t>스크레이핑</a:t>
+            </a:r>
+            <a:r>
+              <a:rPr lang="en-US" altLang="ko-KR" sz="2400" spc="-200" dirty="0">
                 <a:latin typeface="+mn-ea"/>
                 <a:ea typeface="+mn-ea"/>
               </a:rPr>
-              <a:t>머신러닝</a:t>
-            </a:r>
+              <a:t>, </a:t>
+            </a:r>
+            <a:r>
+              <a:rPr lang="ko-KR" altLang="en-US" sz="2400" spc="-200" dirty="0">
+                <a:latin typeface="+mn-ea"/>
+                <a:ea typeface="+mn-ea"/>
+              </a:rPr>
+              <a:t>머신 러닝</a:t>
+            </a:r>
+            <a:endParaRPr sz="2400" spc="-235" dirty="0">
+              <a:latin typeface="+mn-ea"/>
+              <a:ea typeface="+mn-ea"/>
+            </a:endParaRPr>
           </a:p>
         </p:txBody>
       </p:sp>
     </p:spTree>
+    <p:extLst>
+      <p:ext uri="{BB962C8B-B14F-4D97-AF65-F5344CB8AC3E}">
+        <p14:creationId xmlns:p14="http://schemas.microsoft.com/office/powerpoint/2010/main" val="1242859185"/>
+      </p:ext>
+    </p:extLst>
   </p:cSld>
   <p:clrMapOvr>
     <a:masterClrMapping/>
@@ -2673,16 +2764,16 @@
               <a:buChar char="-"/>
             </a:pPr>
             <a:r>
-              <a:rPr lang="ko-KR" altLang="en-US" dirty="0" err="1">
-                <a:latin typeface="+mn-ea"/>
-              </a:rPr>
-              <a:t>머신러닝</a:t>
+              <a:rPr lang="ko-KR" altLang="en-US" dirty="0" smtClean="0">
+                <a:latin typeface="+mn-ea"/>
+              </a:rPr>
+              <a:t>머신 러닝 </a:t>
             </a:r>
             <a:r>
               <a:rPr lang="ko-KR" altLang="en-US" dirty="0">
                 <a:latin typeface="+mn-ea"/>
               </a:rPr>
-              <a:t> 데이터</a:t>
+              <a:t>데이터</a:t>
             </a:r>
           </a:p>
         </p:txBody>
